--- a/10.pptx
+++ b/10.pptx
@@ -208,7 +208,7 @@
           <a:p>
             <a:fld id="{AA93C23F-80D8-41F7-A602-5BAA4D96D6F7}" type="datetimeFigureOut">
               <a:rPr lang="ko-KR" altLang="en-US" smtClean="0"/>
-              <a:t>2019-12-21</a:t>
+              <a:t>2025-03-15</a:t>
             </a:fld>
             <a:endParaRPr lang="ko-KR" altLang="en-US"/>
           </a:p>
@@ -998,7 +998,7 @@
           <a:p>
             <a:fld id="{AA93C23F-80D8-41F7-A602-5BAA4D96D6F7}" type="datetimeFigureOut">
               <a:rPr lang="ko-KR" altLang="en-US" smtClean="0"/>
-              <a:t>2019-12-21</a:t>
+              <a:t>2025-03-15</a:t>
             </a:fld>
             <a:endParaRPr lang="ko-KR" altLang="en-US"/>
           </a:p>
@@ -1166,7 +1166,7 @@
           <a:p>
             <a:fld id="{AA93C23F-80D8-41F7-A602-5BAA4D96D6F7}" type="datetimeFigureOut">
               <a:rPr lang="ko-KR" altLang="en-US" smtClean="0"/>
-              <a:t>2019-12-21</a:t>
+              <a:t>2025-03-15</a:t>
             </a:fld>
             <a:endParaRPr lang="ko-KR" altLang="en-US"/>
           </a:p>
@@ -1344,7 +1344,7 @@
           <a:p>
             <a:fld id="{AA93C23F-80D8-41F7-A602-5BAA4D96D6F7}" type="datetimeFigureOut">
               <a:rPr lang="ko-KR" altLang="en-US" smtClean="0"/>
-              <a:t>2019-12-21</a:t>
+              <a:t>2025-03-15</a:t>
             </a:fld>
             <a:endParaRPr lang="ko-KR" altLang="en-US"/>
           </a:p>
@@ -1528,7 +1528,7 @@
           <a:p>
             <a:fld id="{AA93C23F-80D8-41F7-A602-5BAA4D96D6F7}" type="datetimeFigureOut">
               <a:rPr lang="ko-KR" altLang="en-US" smtClean="0"/>
-              <a:t>2019-12-21</a:t>
+              <a:t>2025-03-15</a:t>
             </a:fld>
             <a:endParaRPr lang="ko-KR" altLang="en-US"/>
           </a:p>
@@ -1773,7 +1773,7 @@
           <a:p>
             <a:fld id="{AA93C23F-80D8-41F7-A602-5BAA4D96D6F7}" type="datetimeFigureOut">
               <a:rPr lang="ko-KR" altLang="en-US" smtClean="0"/>
-              <a:t>2019-12-21</a:t>
+              <a:t>2025-03-15</a:t>
             </a:fld>
             <a:endParaRPr lang="ko-KR" altLang="en-US"/>
           </a:p>
@@ -2002,7 +2002,7 @@
           <a:p>
             <a:fld id="{AA93C23F-80D8-41F7-A602-5BAA4D96D6F7}" type="datetimeFigureOut">
               <a:rPr lang="ko-KR" altLang="en-US" smtClean="0"/>
-              <a:t>2019-12-21</a:t>
+              <a:t>2025-03-15</a:t>
             </a:fld>
             <a:endParaRPr lang="ko-KR" altLang="en-US"/>
           </a:p>
@@ -2366,7 +2366,7 @@
           <a:p>
             <a:fld id="{AA93C23F-80D8-41F7-A602-5BAA4D96D6F7}" type="datetimeFigureOut">
               <a:rPr lang="ko-KR" altLang="en-US" smtClean="0"/>
-              <a:t>2019-12-21</a:t>
+              <a:t>2025-03-15</a:t>
             </a:fld>
             <a:endParaRPr lang="ko-KR" altLang="en-US"/>
           </a:p>
@@ -2483,7 +2483,7 @@
           <a:p>
             <a:fld id="{AA93C23F-80D8-41F7-A602-5BAA4D96D6F7}" type="datetimeFigureOut">
               <a:rPr lang="ko-KR" altLang="en-US" smtClean="0"/>
-              <a:t>2019-12-21</a:t>
+              <a:t>2025-03-15</a:t>
             </a:fld>
             <a:endParaRPr lang="ko-KR" altLang="en-US"/>
           </a:p>
@@ -2757,7 +2757,7 @@
                 <a:tabLst/>
                 <a:defRPr/>
               </a:pPr>
-              <a:t>2019-12-21</a:t>
+              <a:t>2025-03-15</a:t>
             </a:fld>
             <a:endParaRPr kumimoji="0" lang="ko-KR" altLang="en-US" sz="1200" b="0" i="0" u="none" strike="noStrike" kern="1200" cap="none" spc="0" normalizeH="0" baseline="0" noProof="0">
               <a:ln>
@@ -2975,7 +2975,7 @@
           <a:p>
             <a:fld id="{AA93C23F-80D8-41F7-A602-5BAA4D96D6F7}" type="datetimeFigureOut">
               <a:rPr lang="ko-KR" altLang="en-US" smtClean="0"/>
-              <a:t>2019-12-21</a:t>
+              <a:t>2025-03-15</a:t>
             </a:fld>
             <a:endParaRPr lang="ko-KR" altLang="en-US"/>
           </a:p>
@@ -3250,7 +3250,7 @@
           <a:p>
             <a:fld id="{AA93C23F-80D8-41F7-A602-5BAA4D96D6F7}" type="datetimeFigureOut">
               <a:rPr lang="ko-KR" altLang="en-US" smtClean="0"/>
-              <a:t>2019-12-21</a:t>
+              <a:t>2025-03-15</a:t>
             </a:fld>
             <a:endParaRPr lang="ko-KR" altLang="en-US"/>
           </a:p>
@@ -3461,7 +3461,7 @@
           <a:p>
             <a:fld id="{AA93C23F-80D8-41F7-A602-5BAA4D96D6F7}" type="datetimeFigureOut">
               <a:rPr lang="ko-KR" altLang="en-US" smtClean="0"/>
-              <a:t>2019-12-21</a:t>
+              <a:t>2025-03-15</a:t>
             </a:fld>
             <a:endParaRPr lang="ko-KR" altLang="en-US"/>
           </a:p>
@@ -4390,6 +4390,144 @@
           </a:p>
         </p:txBody>
       </p:sp>
+      <p:sp>
+        <p:nvSpPr>
+          <p:cNvPr id="8" name="TextBox 5">
+            <a:extLst>
+              <a:ext uri="{FF2B5EF4-FFF2-40B4-BE49-F238E27FC236}">
+                <a16:creationId xmlns:a16="http://schemas.microsoft.com/office/drawing/2014/main" id="{A0E5D3BF-78AF-4388-BD2D-6AED5FF15C2B}"/>
+              </a:ext>
+            </a:extLst>
+          </p:cNvPr>
+          <p:cNvSpPr txBox="1"/>
+          <p:nvPr/>
+        </p:nvSpPr>
+        <p:spPr>
+          <a:xfrm>
+            <a:off x="10779032" y="379583"/>
+            <a:ext cx="667170" cy="338554"/>
+          </a:xfrm>
+          <a:prstGeom prst="rect">
+            <a:avLst/>
+          </a:prstGeom>
+          <a:noFill/>
+        </p:spPr>
+        <p:txBody>
+          <a:bodyPr wrap="none" rtlCol="0">
+            <a:spAutoFit/>
+          </a:bodyPr>
+          <a:lstStyle>
+            <a:defPPr>
+              <a:defRPr lang="ko-KR"/>
+            </a:defPPr>
+            <a:lvl1pPr marL="0" algn="l" defTabSz="914400" rtl="0" eaLnBrk="1" latinLnBrk="1" hangingPunct="1">
+              <a:defRPr sz="1800" kern="1200">
+                <a:solidFill>
+                  <a:schemeClr val="tx1"/>
+                </a:solidFill>
+                <a:latin typeface="+mn-lt"/>
+                <a:ea typeface="+mn-ea"/>
+                <a:cs typeface="+mn-cs"/>
+              </a:defRPr>
+            </a:lvl1pPr>
+            <a:lvl2pPr marL="457200" algn="l" defTabSz="914400" rtl="0" eaLnBrk="1" latinLnBrk="1" hangingPunct="1">
+              <a:defRPr sz="1800" kern="1200">
+                <a:solidFill>
+                  <a:schemeClr val="tx1"/>
+                </a:solidFill>
+                <a:latin typeface="+mn-lt"/>
+                <a:ea typeface="+mn-ea"/>
+                <a:cs typeface="+mn-cs"/>
+              </a:defRPr>
+            </a:lvl2pPr>
+            <a:lvl3pPr marL="914400" algn="l" defTabSz="914400" rtl="0" eaLnBrk="1" latinLnBrk="1" hangingPunct="1">
+              <a:defRPr sz="1800" kern="1200">
+                <a:solidFill>
+                  <a:schemeClr val="tx1"/>
+                </a:solidFill>
+                <a:latin typeface="+mn-lt"/>
+                <a:ea typeface="+mn-ea"/>
+                <a:cs typeface="+mn-cs"/>
+              </a:defRPr>
+            </a:lvl3pPr>
+            <a:lvl4pPr marL="1371600" algn="l" defTabSz="914400" rtl="0" eaLnBrk="1" latinLnBrk="1" hangingPunct="1">
+              <a:defRPr sz="1800" kern="1200">
+                <a:solidFill>
+                  <a:schemeClr val="tx1"/>
+                </a:solidFill>
+                <a:latin typeface="+mn-lt"/>
+                <a:ea typeface="+mn-ea"/>
+                <a:cs typeface="+mn-cs"/>
+              </a:defRPr>
+            </a:lvl4pPr>
+            <a:lvl5pPr marL="1828800" algn="l" defTabSz="914400" rtl="0" eaLnBrk="1" latinLnBrk="1" hangingPunct="1">
+              <a:defRPr sz="1800" kern="1200">
+                <a:solidFill>
+                  <a:schemeClr val="tx1"/>
+                </a:solidFill>
+                <a:latin typeface="+mn-lt"/>
+                <a:ea typeface="+mn-ea"/>
+                <a:cs typeface="+mn-cs"/>
+              </a:defRPr>
+            </a:lvl5pPr>
+            <a:lvl6pPr marL="2286000" algn="l" defTabSz="914400" rtl="0" eaLnBrk="1" latinLnBrk="1" hangingPunct="1">
+              <a:defRPr sz="1800" kern="1200">
+                <a:solidFill>
+                  <a:schemeClr val="tx1"/>
+                </a:solidFill>
+                <a:latin typeface="+mn-lt"/>
+                <a:ea typeface="+mn-ea"/>
+                <a:cs typeface="+mn-cs"/>
+              </a:defRPr>
+            </a:lvl6pPr>
+            <a:lvl7pPr marL="2743200" algn="l" defTabSz="914400" rtl="0" eaLnBrk="1" latinLnBrk="1" hangingPunct="1">
+              <a:defRPr sz="1800" kern="1200">
+                <a:solidFill>
+                  <a:schemeClr val="tx1"/>
+                </a:solidFill>
+                <a:latin typeface="+mn-lt"/>
+                <a:ea typeface="+mn-ea"/>
+                <a:cs typeface="+mn-cs"/>
+              </a:defRPr>
+            </a:lvl7pPr>
+            <a:lvl8pPr marL="3200400" algn="l" defTabSz="914400" rtl="0" eaLnBrk="1" latinLnBrk="1" hangingPunct="1">
+              <a:defRPr sz="1800" kern="1200">
+                <a:solidFill>
+                  <a:schemeClr val="tx1"/>
+                </a:solidFill>
+                <a:latin typeface="+mn-lt"/>
+                <a:ea typeface="+mn-ea"/>
+                <a:cs typeface="+mn-cs"/>
+              </a:defRPr>
+            </a:lvl8pPr>
+            <a:lvl9pPr marL="3657600" algn="l" defTabSz="914400" rtl="0" eaLnBrk="1" latinLnBrk="1" hangingPunct="1">
+              <a:defRPr sz="1800" kern="1200">
+                <a:solidFill>
+                  <a:schemeClr val="tx1"/>
+                </a:solidFill>
+                <a:latin typeface="+mn-lt"/>
+                <a:ea typeface="+mn-ea"/>
+                <a:cs typeface="+mn-cs"/>
+              </a:defRPr>
+            </a:lvl9pPr>
+          </a:lstStyle>
+          <a:p>
+            <a:r>
+              <a:rPr lang="en-US" altLang="ko-KR" sz="1600" b="1" dirty="0">
+                <a:solidFill>
+                  <a:schemeClr val="bg1"/>
+                </a:solidFill>
+              </a:rPr>
+              <a:t>P386</a:t>
+            </a:r>
+            <a:endParaRPr lang="ko-KR" altLang="en-US" sz="1600" b="1" dirty="0">
+              <a:solidFill>
+                <a:schemeClr val="bg1"/>
+              </a:solidFill>
+            </a:endParaRPr>
+          </a:p>
+        </p:txBody>
+      </p:sp>
     </p:spTree>
     <p:extLst>
       <p:ext uri="{BB962C8B-B14F-4D97-AF65-F5344CB8AC3E}">
@@ -4663,6 +4801,144 @@
           </a:prstGeom>
         </p:spPr>
       </p:pic>
+      <p:sp>
+        <p:nvSpPr>
+          <p:cNvPr id="10" name="TextBox 5">
+            <a:extLst>
+              <a:ext uri="{FF2B5EF4-FFF2-40B4-BE49-F238E27FC236}">
+                <a16:creationId xmlns:a16="http://schemas.microsoft.com/office/drawing/2014/main" id="{BB52EE52-6235-4CC8-A3F8-2B193E1FF304}"/>
+              </a:ext>
+            </a:extLst>
+          </p:cNvPr>
+          <p:cNvSpPr txBox="1"/>
+          <p:nvPr/>
+        </p:nvSpPr>
+        <p:spPr>
+          <a:xfrm>
+            <a:off x="10779032" y="379583"/>
+            <a:ext cx="667170" cy="338554"/>
+          </a:xfrm>
+          <a:prstGeom prst="rect">
+            <a:avLst/>
+          </a:prstGeom>
+          <a:noFill/>
+        </p:spPr>
+        <p:txBody>
+          <a:bodyPr wrap="none" rtlCol="0">
+            <a:spAutoFit/>
+          </a:bodyPr>
+          <a:lstStyle>
+            <a:defPPr>
+              <a:defRPr lang="ko-KR"/>
+            </a:defPPr>
+            <a:lvl1pPr marL="0" algn="l" defTabSz="914400" rtl="0" eaLnBrk="1" latinLnBrk="1" hangingPunct="1">
+              <a:defRPr sz="1800" kern="1200">
+                <a:solidFill>
+                  <a:schemeClr val="tx1"/>
+                </a:solidFill>
+                <a:latin typeface="+mn-lt"/>
+                <a:ea typeface="+mn-ea"/>
+                <a:cs typeface="+mn-cs"/>
+              </a:defRPr>
+            </a:lvl1pPr>
+            <a:lvl2pPr marL="457200" algn="l" defTabSz="914400" rtl="0" eaLnBrk="1" latinLnBrk="1" hangingPunct="1">
+              <a:defRPr sz="1800" kern="1200">
+                <a:solidFill>
+                  <a:schemeClr val="tx1"/>
+                </a:solidFill>
+                <a:latin typeface="+mn-lt"/>
+                <a:ea typeface="+mn-ea"/>
+                <a:cs typeface="+mn-cs"/>
+              </a:defRPr>
+            </a:lvl2pPr>
+            <a:lvl3pPr marL="914400" algn="l" defTabSz="914400" rtl="0" eaLnBrk="1" latinLnBrk="1" hangingPunct="1">
+              <a:defRPr sz="1800" kern="1200">
+                <a:solidFill>
+                  <a:schemeClr val="tx1"/>
+                </a:solidFill>
+                <a:latin typeface="+mn-lt"/>
+                <a:ea typeface="+mn-ea"/>
+                <a:cs typeface="+mn-cs"/>
+              </a:defRPr>
+            </a:lvl3pPr>
+            <a:lvl4pPr marL="1371600" algn="l" defTabSz="914400" rtl="0" eaLnBrk="1" latinLnBrk="1" hangingPunct="1">
+              <a:defRPr sz="1800" kern="1200">
+                <a:solidFill>
+                  <a:schemeClr val="tx1"/>
+                </a:solidFill>
+                <a:latin typeface="+mn-lt"/>
+                <a:ea typeface="+mn-ea"/>
+                <a:cs typeface="+mn-cs"/>
+              </a:defRPr>
+            </a:lvl4pPr>
+            <a:lvl5pPr marL="1828800" algn="l" defTabSz="914400" rtl="0" eaLnBrk="1" latinLnBrk="1" hangingPunct="1">
+              <a:defRPr sz="1800" kern="1200">
+                <a:solidFill>
+                  <a:schemeClr val="tx1"/>
+                </a:solidFill>
+                <a:latin typeface="+mn-lt"/>
+                <a:ea typeface="+mn-ea"/>
+                <a:cs typeface="+mn-cs"/>
+              </a:defRPr>
+            </a:lvl5pPr>
+            <a:lvl6pPr marL="2286000" algn="l" defTabSz="914400" rtl="0" eaLnBrk="1" latinLnBrk="1" hangingPunct="1">
+              <a:defRPr sz="1800" kern="1200">
+                <a:solidFill>
+                  <a:schemeClr val="tx1"/>
+                </a:solidFill>
+                <a:latin typeface="+mn-lt"/>
+                <a:ea typeface="+mn-ea"/>
+                <a:cs typeface="+mn-cs"/>
+              </a:defRPr>
+            </a:lvl6pPr>
+            <a:lvl7pPr marL="2743200" algn="l" defTabSz="914400" rtl="0" eaLnBrk="1" latinLnBrk="1" hangingPunct="1">
+              <a:defRPr sz="1800" kern="1200">
+                <a:solidFill>
+                  <a:schemeClr val="tx1"/>
+                </a:solidFill>
+                <a:latin typeface="+mn-lt"/>
+                <a:ea typeface="+mn-ea"/>
+                <a:cs typeface="+mn-cs"/>
+              </a:defRPr>
+            </a:lvl7pPr>
+            <a:lvl8pPr marL="3200400" algn="l" defTabSz="914400" rtl="0" eaLnBrk="1" latinLnBrk="1" hangingPunct="1">
+              <a:defRPr sz="1800" kern="1200">
+                <a:solidFill>
+                  <a:schemeClr val="tx1"/>
+                </a:solidFill>
+                <a:latin typeface="+mn-lt"/>
+                <a:ea typeface="+mn-ea"/>
+                <a:cs typeface="+mn-cs"/>
+              </a:defRPr>
+            </a:lvl8pPr>
+            <a:lvl9pPr marL="3657600" algn="l" defTabSz="914400" rtl="0" eaLnBrk="1" latinLnBrk="1" hangingPunct="1">
+              <a:defRPr sz="1800" kern="1200">
+                <a:solidFill>
+                  <a:schemeClr val="tx1"/>
+                </a:solidFill>
+                <a:latin typeface="+mn-lt"/>
+                <a:ea typeface="+mn-ea"/>
+                <a:cs typeface="+mn-cs"/>
+              </a:defRPr>
+            </a:lvl9pPr>
+          </a:lstStyle>
+          <a:p>
+            <a:r>
+              <a:rPr lang="en-US" altLang="ko-KR" sz="1600" b="1" dirty="0">
+                <a:solidFill>
+                  <a:schemeClr val="bg1"/>
+                </a:solidFill>
+              </a:rPr>
+              <a:t>P387</a:t>
+            </a:r>
+            <a:endParaRPr lang="ko-KR" altLang="en-US" sz="1600" b="1" dirty="0">
+              <a:solidFill>
+                <a:schemeClr val="bg1"/>
+              </a:solidFill>
+            </a:endParaRPr>
+          </a:p>
+        </p:txBody>
+      </p:sp>
     </p:spTree>
     <p:extLst>
       <p:ext uri="{BB962C8B-B14F-4D97-AF65-F5344CB8AC3E}">
@@ -4968,6 +5244,144 @@
           </a:prstGeom>
         </p:spPr>
       </p:pic>
+      <p:sp>
+        <p:nvSpPr>
+          <p:cNvPr id="8" name="TextBox 5">
+            <a:extLst>
+              <a:ext uri="{FF2B5EF4-FFF2-40B4-BE49-F238E27FC236}">
+                <a16:creationId xmlns:a16="http://schemas.microsoft.com/office/drawing/2014/main" id="{F3AC6D8D-30D6-4D21-982F-6D539606680B}"/>
+              </a:ext>
+            </a:extLst>
+          </p:cNvPr>
+          <p:cNvSpPr txBox="1"/>
+          <p:nvPr/>
+        </p:nvSpPr>
+        <p:spPr>
+          <a:xfrm>
+            <a:off x="10779032" y="379583"/>
+            <a:ext cx="667170" cy="338554"/>
+          </a:xfrm>
+          <a:prstGeom prst="rect">
+            <a:avLst/>
+          </a:prstGeom>
+          <a:noFill/>
+        </p:spPr>
+        <p:txBody>
+          <a:bodyPr wrap="none" rtlCol="0">
+            <a:spAutoFit/>
+          </a:bodyPr>
+          <a:lstStyle>
+            <a:defPPr>
+              <a:defRPr lang="ko-KR"/>
+            </a:defPPr>
+            <a:lvl1pPr marL="0" algn="l" defTabSz="914400" rtl="0" eaLnBrk="1" latinLnBrk="1" hangingPunct="1">
+              <a:defRPr sz="1800" kern="1200">
+                <a:solidFill>
+                  <a:schemeClr val="tx1"/>
+                </a:solidFill>
+                <a:latin typeface="+mn-lt"/>
+                <a:ea typeface="+mn-ea"/>
+                <a:cs typeface="+mn-cs"/>
+              </a:defRPr>
+            </a:lvl1pPr>
+            <a:lvl2pPr marL="457200" algn="l" defTabSz="914400" rtl="0" eaLnBrk="1" latinLnBrk="1" hangingPunct="1">
+              <a:defRPr sz="1800" kern="1200">
+                <a:solidFill>
+                  <a:schemeClr val="tx1"/>
+                </a:solidFill>
+                <a:latin typeface="+mn-lt"/>
+                <a:ea typeface="+mn-ea"/>
+                <a:cs typeface="+mn-cs"/>
+              </a:defRPr>
+            </a:lvl2pPr>
+            <a:lvl3pPr marL="914400" algn="l" defTabSz="914400" rtl="0" eaLnBrk="1" latinLnBrk="1" hangingPunct="1">
+              <a:defRPr sz="1800" kern="1200">
+                <a:solidFill>
+                  <a:schemeClr val="tx1"/>
+                </a:solidFill>
+                <a:latin typeface="+mn-lt"/>
+                <a:ea typeface="+mn-ea"/>
+                <a:cs typeface="+mn-cs"/>
+              </a:defRPr>
+            </a:lvl3pPr>
+            <a:lvl4pPr marL="1371600" algn="l" defTabSz="914400" rtl="0" eaLnBrk="1" latinLnBrk="1" hangingPunct="1">
+              <a:defRPr sz="1800" kern="1200">
+                <a:solidFill>
+                  <a:schemeClr val="tx1"/>
+                </a:solidFill>
+                <a:latin typeface="+mn-lt"/>
+                <a:ea typeface="+mn-ea"/>
+                <a:cs typeface="+mn-cs"/>
+              </a:defRPr>
+            </a:lvl4pPr>
+            <a:lvl5pPr marL="1828800" algn="l" defTabSz="914400" rtl="0" eaLnBrk="1" latinLnBrk="1" hangingPunct="1">
+              <a:defRPr sz="1800" kern="1200">
+                <a:solidFill>
+                  <a:schemeClr val="tx1"/>
+                </a:solidFill>
+                <a:latin typeface="+mn-lt"/>
+                <a:ea typeface="+mn-ea"/>
+                <a:cs typeface="+mn-cs"/>
+              </a:defRPr>
+            </a:lvl5pPr>
+            <a:lvl6pPr marL="2286000" algn="l" defTabSz="914400" rtl="0" eaLnBrk="1" latinLnBrk="1" hangingPunct="1">
+              <a:defRPr sz="1800" kern="1200">
+                <a:solidFill>
+                  <a:schemeClr val="tx1"/>
+                </a:solidFill>
+                <a:latin typeface="+mn-lt"/>
+                <a:ea typeface="+mn-ea"/>
+                <a:cs typeface="+mn-cs"/>
+              </a:defRPr>
+            </a:lvl6pPr>
+            <a:lvl7pPr marL="2743200" algn="l" defTabSz="914400" rtl="0" eaLnBrk="1" latinLnBrk="1" hangingPunct="1">
+              <a:defRPr sz="1800" kern="1200">
+                <a:solidFill>
+                  <a:schemeClr val="tx1"/>
+                </a:solidFill>
+                <a:latin typeface="+mn-lt"/>
+                <a:ea typeface="+mn-ea"/>
+                <a:cs typeface="+mn-cs"/>
+              </a:defRPr>
+            </a:lvl7pPr>
+            <a:lvl8pPr marL="3200400" algn="l" defTabSz="914400" rtl="0" eaLnBrk="1" latinLnBrk="1" hangingPunct="1">
+              <a:defRPr sz="1800" kern="1200">
+                <a:solidFill>
+                  <a:schemeClr val="tx1"/>
+                </a:solidFill>
+                <a:latin typeface="+mn-lt"/>
+                <a:ea typeface="+mn-ea"/>
+                <a:cs typeface="+mn-cs"/>
+              </a:defRPr>
+            </a:lvl8pPr>
+            <a:lvl9pPr marL="3657600" algn="l" defTabSz="914400" rtl="0" eaLnBrk="1" latinLnBrk="1" hangingPunct="1">
+              <a:defRPr sz="1800" kern="1200">
+                <a:solidFill>
+                  <a:schemeClr val="tx1"/>
+                </a:solidFill>
+                <a:latin typeface="+mn-lt"/>
+                <a:ea typeface="+mn-ea"/>
+                <a:cs typeface="+mn-cs"/>
+              </a:defRPr>
+            </a:lvl9pPr>
+          </a:lstStyle>
+          <a:p>
+            <a:r>
+              <a:rPr lang="en-US" altLang="ko-KR" sz="1600" b="1" dirty="0">
+                <a:solidFill>
+                  <a:schemeClr val="bg1"/>
+                </a:solidFill>
+              </a:rPr>
+              <a:t>P388</a:t>
+            </a:r>
+            <a:endParaRPr lang="ko-KR" altLang="en-US" sz="1600" b="1" dirty="0">
+              <a:solidFill>
+                <a:schemeClr val="bg1"/>
+              </a:solidFill>
+            </a:endParaRPr>
+          </a:p>
+        </p:txBody>
+      </p:sp>
     </p:spTree>
     <p:extLst>
       <p:ext uri="{BB962C8B-B14F-4D97-AF65-F5344CB8AC3E}">
@@ -5263,6 +5677,144 @@
           </a:p>
         </p:txBody>
       </p:sp>
+      <p:sp>
+        <p:nvSpPr>
+          <p:cNvPr id="8" name="TextBox 5">
+            <a:extLst>
+              <a:ext uri="{FF2B5EF4-FFF2-40B4-BE49-F238E27FC236}">
+                <a16:creationId xmlns:a16="http://schemas.microsoft.com/office/drawing/2014/main" id="{C073F17C-60C8-4AD9-81B1-C753A91E300F}"/>
+              </a:ext>
+            </a:extLst>
+          </p:cNvPr>
+          <p:cNvSpPr txBox="1"/>
+          <p:nvPr/>
+        </p:nvSpPr>
+        <p:spPr>
+          <a:xfrm>
+            <a:off x="10779032" y="379583"/>
+            <a:ext cx="667170" cy="338554"/>
+          </a:xfrm>
+          <a:prstGeom prst="rect">
+            <a:avLst/>
+          </a:prstGeom>
+          <a:noFill/>
+        </p:spPr>
+        <p:txBody>
+          <a:bodyPr wrap="none" rtlCol="0">
+            <a:spAutoFit/>
+          </a:bodyPr>
+          <a:lstStyle>
+            <a:defPPr>
+              <a:defRPr lang="ko-KR"/>
+            </a:defPPr>
+            <a:lvl1pPr marL="0" algn="l" defTabSz="914400" rtl="0" eaLnBrk="1" latinLnBrk="1" hangingPunct="1">
+              <a:defRPr sz="1800" kern="1200">
+                <a:solidFill>
+                  <a:schemeClr val="tx1"/>
+                </a:solidFill>
+                <a:latin typeface="+mn-lt"/>
+                <a:ea typeface="+mn-ea"/>
+                <a:cs typeface="+mn-cs"/>
+              </a:defRPr>
+            </a:lvl1pPr>
+            <a:lvl2pPr marL="457200" algn="l" defTabSz="914400" rtl="0" eaLnBrk="1" latinLnBrk="1" hangingPunct="1">
+              <a:defRPr sz="1800" kern="1200">
+                <a:solidFill>
+                  <a:schemeClr val="tx1"/>
+                </a:solidFill>
+                <a:latin typeface="+mn-lt"/>
+                <a:ea typeface="+mn-ea"/>
+                <a:cs typeface="+mn-cs"/>
+              </a:defRPr>
+            </a:lvl2pPr>
+            <a:lvl3pPr marL="914400" algn="l" defTabSz="914400" rtl="0" eaLnBrk="1" latinLnBrk="1" hangingPunct="1">
+              <a:defRPr sz="1800" kern="1200">
+                <a:solidFill>
+                  <a:schemeClr val="tx1"/>
+                </a:solidFill>
+                <a:latin typeface="+mn-lt"/>
+                <a:ea typeface="+mn-ea"/>
+                <a:cs typeface="+mn-cs"/>
+              </a:defRPr>
+            </a:lvl3pPr>
+            <a:lvl4pPr marL="1371600" algn="l" defTabSz="914400" rtl="0" eaLnBrk="1" latinLnBrk="1" hangingPunct="1">
+              <a:defRPr sz="1800" kern="1200">
+                <a:solidFill>
+                  <a:schemeClr val="tx1"/>
+                </a:solidFill>
+                <a:latin typeface="+mn-lt"/>
+                <a:ea typeface="+mn-ea"/>
+                <a:cs typeface="+mn-cs"/>
+              </a:defRPr>
+            </a:lvl4pPr>
+            <a:lvl5pPr marL="1828800" algn="l" defTabSz="914400" rtl="0" eaLnBrk="1" latinLnBrk="1" hangingPunct="1">
+              <a:defRPr sz="1800" kern="1200">
+                <a:solidFill>
+                  <a:schemeClr val="tx1"/>
+                </a:solidFill>
+                <a:latin typeface="+mn-lt"/>
+                <a:ea typeface="+mn-ea"/>
+                <a:cs typeface="+mn-cs"/>
+              </a:defRPr>
+            </a:lvl5pPr>
+            <a:lvl6pPr marL="2286000" algn="l" defTabSz="914400" rtl="0" eaLnBrk="1" latinLnBrk="1" hangingPunct="1">
+              <a:defRPr sz="1800" kern="1200">
+                <a:solidFill>
+                  <a:schemeClr val="tx1"/>
+                </a:solidFill>
+                <a:latin typeface="+mn-lt"/>
+                <a:ea typeface="+mn-ea"/>
+                <a:cs typeface="+mn-cs"/>
+              </a:defRPr>
+            </a:lvl6pPr>
+            <a:lvl7pPr marL="2743200" algn="l" defTabSz="914400" rtl="0" eaLnBrk="1" latinLnBrk="1" hangingPunct="1">
+              <a:defRPr sz="1800" kern="1200">
+                <a:solidFill>
+                  <a:schemeClr val="tx1"/>
+                </a:solidFill>
+                <a:latin typeface="+mn-lt"/>
+                <a:ea typeface="+mn-ea"/>
+                <a:cs typeface="+mn-cs"/>
+              </a:defRPr>
+            </a:lvl7pPr>
+            <a:lvl8pPr marL="3200400" algn="l" defTabSz="914400" rtl="0" eaLnBrk="1" latinLnBrk="1" hangingPunct="1">
+              <a:defRPr sz="1800" kern="1200">
+                <a:solidFill>
+                  <a:schemeClr val="tx1"/>
+                </a:solidFill>
+                <a:latin typeface="+mn-lt"/>
+                <a:ea typeface="+mn-ea"/>
+                <a:cs typeface="+mn-cs"/>
+              </a:defRPr>
+            </a:lvl8pPr>
+            <a:lvl9pPr marL="3657600" algn="l" defTabSz="914400" rtl="0" eaLnBrk="1" latinLnBrk="1" hangingPunct="1">
+              <a:defRPr sz="1800" kern="1200">
+                <a:solidFill>
+                  <a:schemeClr val="tx1"/>
+                </a:solidFill>
+                <a:latin typeface="+mn-lt"/>
+                <a:ea typeface="+mn-ea"/>
+                <a:cs typeface="+mn-cs"/>
+              </a:defRPr>
+            </a:lvl9pPr>
+          </a:lstStyle>
+          <a:p>
+            <a:r>
+              <a:rPr lang="en-US" altLang="ko-KR" sz="1600" b="1" dirty="0">
+                <a:solidFill>
+                  <a:schemeClr val="bg1"/>
+                </a:solidFill>
+              </a:rPr>
+              <a:t>P370</a:t>
+            </a:r>
+            <a:endParaRPr lang="ko-KR" altLang="en-US" sz="1600" b="1" dirty="0">
+              <a:solidFill>
+                <a:schemeClr val="bg1"/>
+              </a:solidFill>
+            </a:endParaRPr>
+          </a:p>
+        </p:txBody>
+      </p:sp>
     </p:spTree>
     <p:extLst>
       <p:ext uri="{BB962C8B-B14F-4D97-AF65-F5344CB8AC3E}">
@@ -5588,6 +6140,144 @@
           </a:p>
         </p:txBody>
       </p:sp>
+      <p:sp>
+        <p:nvSpPr>
+          <p:cNvPr id="10" name="TextBox 5">
+            <a:extLst>
+              <a:ext uri="{FF2B5EF4-FFF2-40B4-BE49-F238E27FC236}">
+                <a16:creationId xmlns:a16="http://schemas.microsoft.com/office/drawing/2014/main" id="{7955C186-D18E-47DF-AF45-7CD5A643E974}"/>
+              </a:ext>
+            </a:extLst>
+          </p:cNvPr>
+          <p:cNvSpPr txBox="1"/>
+          <p:nvPr/>
+        </p:nvSpPr>
+        <p:spPr>
+          <a:xfrm>
+            <a:off x="10779032" y="379583"/>
+            <a:ext cx="667170" cy="338554"/>
+          </a:xfrm>
+          <a:prstGeom prst="rect">
+            <a:avLst/>
+          </a:prstGeom>
+          <a:noFill/>
+        </p:spPr>
+        <p:txBody>
+          <a:bodyPr wrap="none" rtlCol="0">
+            <a:spAutoFit/>
+          </a:bodyPr>
+          <a:lstStyle>
+            <a:defPPr>
+              <a:defRPr lang="ko-KR"/>
+            </a:defPPr>
+            <a:lvl1pPr marL="0" algn="l" defTabSz="914400" rtl="0" eaLnBrk="1" latinLnBrk="1" hangingPunct="1">
+              <a:defRPr sz="1800" kern="1200">
+                <a:solidFill>
+                  <a:schemeClr val="tx1"/>
+                </a:solidFill>
+                <a:latin typeface="+mn-lt"/>
+                <a:ea typeface="+mn-ea"/>
+                <a:cs typeface="+mn-cs"/>
+              </a:defRPr>
+            </a:lvl1pPr>
+            <a:lvl2pPr marL="457200" algn="l" defTabSz="914400" rtl="0" eaLnBrk="1" latinLnBrk="1" hangingPunct="1">
+              <a:defRPr sz="1800" kern="1200">
+                <a:solidFill>
+                  <a:schemeClr val="tx1"/>
+                </a:solidFill>
+                <a:latin typeface="+mn-lt"/>
+                <a:ea typeface="+mn-ea"/>
+                <a:cs typeface="+mn-cs"/>
+              </a:defRPr>
+            </a:lvl2pPr>
+            <a:lvl3pPr marL="914400" algn="l" defTabSz="914400" rtl="0" eaLnBrk="1" latinLnBrk="1" hangingPunct="1">
+              <a:defRPr sz="1800" kern="1200">
+                <a:solidFill>
+                  <a:schemeClr val="tx1"/>
+                </a:solidFill>
+                <a:latin typeface="+mn-lt"/>
+                <a:ea typeface="+mn-ea"/>
+                <a:cs typeface="+mn-cs"/>
+              </a:defRPr>
+            </a:lvl3pPr>
+            <a:lvl4pPr marL="1371600" algn="l" defTabSz="914400" rtl="0" eaLnBrk="1" latinLnBrk="1" hangingPunct="1">
+              <a:defRPr sz="1800" kern="1200">
+                <a:solidFill>
+                  <a:schemeClr val="tx1"/>
+                </a:solidFill>
+                <a:latin typeface="+mn-lt"/>
+                <a:ea typeface="+mn-ea"/>
+                <a:cs typeface="+mn-cs"/>
+              </a:defRPr>
+            </a:lvl4pPr>
+            <a:lvl5pPr marL="1828800" algn="l" defTabSz="914400" rtl="0" eaLnBrk="1" latinLnBrk="1" hangingPunct="1">
+              <a:defRPr sz="1800" kern="1200">
+                <a:solidFill>
+                  <a:schemeClr val="tx1"/>
+                </a:solidFill>
+                <a:latin typeface="+mn-lt"/>
+                <a:ea typeface="+mn-ea"/>
+                <a:cs typeface="+mn-cs"/>
+              </a:defRPr>
+            </a:lvl5pPr>
+            <a:lvl6pPr marL="2286000" algn="l" defTabSz="914400" rtl="0" eaLnBrk="1" latinLnBrk="1" hangingPunct="1">
+              <a:defRPr sz="1800" kern="1200">
+                <a:solidFill>
+                  <a:schemeClr val="tx1"/>
+                </a:solidFill>
+                <a:latin typeface="+mn-lt"/>
+                <a:ea typeface="+mn-ea"/>
+                <a:cs typeface="+mn-cs"/>
+              </a:defRPr>
+            </a:lvl6pPr>
+            <a:lvl7pPr marL="2743200" algn="l" defTabSz="914400" rtl="0" eaLnBrk="1" latinLnBrk="1" hangingPunct="1">
+              <a:defRPr sz="1800" kern="1200">
+                <a:solidFill>
+                  <a:schemeClr val="tx1"/>
+                </a:solidFill>
+                <a:latin typeface="+mn-lt"/>
+                <a:ea typeface="+mn-ea"/>
+                <a:cs typeface="+mn-cs"/>
+              </a:defRPr>
+            </a:lvl7pPr>
+            <a:lvl8pPr marL="3200400" algn="l" defTabSz="914400" rtl="0" eaLnBrk="1" latinLnBrk="1" hangingPunct="1">
+              <a:defRPr sz="1800" kern="1200">
+                <a:solidFill>
+                  <a:schemeClr val="tx1"/>
+                </a:solidFill>
+                <a:latin typeface="+mn-lt"/>
+                <a:ea typeface="+mn-ea"/>
+                <a:cs typeface="+mn-cs"/>
+              </a:defRPr>
+            </a:lvl8pPr>
+            <a:lvl9pPr marL="3657600" algn="l" defTabSz="914400" rtl="0" eaLnBrk="1" latinLnBrk="1" hangingPunct="1">
+              <a:defRPr sz="1800" kern="1200">
+                <a:solidFill>
+                  <a:schemeClr val="tx1"/>
+                </a:solidFill>
+                <a:latin typeface="+mn-lt"/>
+                <a:ea typeface="+mn-ea"/>
+                <a:cs typeface="+mn-cs"/>
+              </a:defRPr>
+            </a:lvl9pPr>
+          </a:lstStyle>
+          <a:p>
+            <a:r>
+              <a:rPr lang="en-US" altLang="ko-KR" sz="1600" b="1" dirty="0">
+                <a:solidFill>
+                  <a:schemeClr val="bg1"/>
+                </a:solidFill>
+              </a:rPr>
+              <a:t>P374</a:t>
+            </a:r>
+            <a:endParaRPr lang="ko-KR" altLang="en-US" sz="1600" b="1" dirty="0">
+              <a:solidFill>
+                <a:schemeClr val="bg1"/>
+              </a:solidFill>
+            </a:endParaRPr>
+          </a:p>
+        </p:txBody>
+      </p:sp>
     </p:spTree>
     <p:extLst>
       <p:ext uri="{BB962C8B-B14F-4D97-AF65-F5344CB8AC3E}">
@@ -5708,6 +6398,144 @@
           </a:prstGeom>
         </p:spPr>
       </p:pic>
+      <p:sp>
+        <p:nvSpPr>
+          <p:cNvPr id="5" name="TextBox 5">
+            <a:extLst>
+              <a:ext uri="{FF2B5EF4-FFF2-40B4-BE49-F238E27FC236}">
+                <a16:creationId xmlns:a16="http://schemas.microsoft.com/office/drawing/2014/main" id="{61074D53-5478-470C-84BA-820497201A2B}"/>
+              </a:ext>
+            </a:extLst>
+          </p:cNvPr>
+          <p:cNvSpPr txBox="1"/>
+          <p:nvPr/>
+        </p:nvSpPr>
+        <p:spPr>
+          <a:xfrm>
+            <a:off x="10779032" y="379583"/>
+            <a:ext cx="667170" cy="338554"/>
+          </a:xfrm>
+          <a:prstGeom prst="rect">
+            <a:avLst/>
+          </a:prstGeom>
+          <a:noFill/>
+        </p:spPr>
+        <p:txBody>
+          <a:bodyPr wrap="none" rtlCol="0">
+            <a:spAutoFit/>
+          </a:bodyPr>
+          <a:lstStyle>
+            <a:defPPr>
+              <a:defRPr lang="ko-KR"/>
+            </a:defPPr>
+            <a:lvl1pPr marL="0" algn="l" defTabSz="914400" rtl="0" eaLnBrk="1" latinLnBrk="1" hangingPunct="1">
+              <a:defRPr sz="1800" kern="1200">
+                <a:solidFill>
+                  <a:schemeClr val="tx1"/>
+                </a:solidFill>
+                <a:latin typeface="+mn-lt"/>
+                <a:ea typeface="+mn-ea"/>
+                <a:cs typeface="+mn-cs"/>
+              </a:defRPr>
+            </a:lvl1pPr>
+            <a:lvl2pPr marL="457200" algn="l" defTabSz="914400" rtl="0" eaLnBrk="1" latinLnBrk="1" hangingPunct="1">
+              <a:defRPr sz="1800" kern="1200">
+                <a:solidFill>
+                  <a:schemeClr val="tx1"/>
+                </a:solidFill>
+                <a:latin typeface="+mn-lt"/>
+                <a:ea typeface="+mn-ea"/>
+                <a:cs typeface="+mn-cs"/>
+              </a:defRPr>
+            </a:lvl2pPr>
+            <a:lvl3pPr marL="914400" algn="l" defTabSz="914400" rtl="0" eaLnBrk="1" latinLnBrk="1" hangingPunct="1">
+              <a:defRPr sz="1800" kern="1200">
+                <a:solidFill>
+                  <a:schemeClr val="tx1"/>
+                </a:solidFill>
+                <a:latin typeface="+mn-lt"/>
+                <a:ea typeface="+mn-ea"/>
+                <a:cs typeface="+mn-cs"/>
+              </a:defRPr>
+            </a:lvl3pPr>
+            <a:lvl4pPr marL="1371600" algn="l" defTabSz="914400" rtl="0" eaLnBrk="1" latinLnBrk="1" hangingPunct="1">
+              <a:defRPr sz="1800" kern="1200">
+                <a:solidFill>
+                  <a:schemeClr val="tx1"/>
+                </a:solidFill>
+                <a:latin typeface="+mn-lt"/>
+                <a:ea typeface="+mn-ea"/>
+                <a:cs typeface="+mn-cs"/>
+              </a:defRPr>
+            </a:lvl4pPr>
+            <a:lvl5pPr marL="1828800" algn="l" defTabSz="914400" rtl="0" eaLnBrk="1" latinLnBrk="1" hangingPunct="1">
+              <a:defRPr sz="1800" kern="1200">
+                <a:solidFill>
+                  <a:schemeClr val="tx1"/>
+                </a:solidFill>
+                <a:latin typeface="+mn-lt"/>
+                <a:ea typeface="+mn-ea"/>
+                <a:cs typeface="+mn-cs"/>
+              </a:defRPr>
+            </a:lvl5pPr>
+            <a:lvl6pPr marL="2286000" algn="l" defTabSz="914400" rtl="0" eaLnBrk="1" latinLnBrk="1" hangingPunct="1">
+              <a:defRPr sz="1800" kern="1200">
+                <a:solidFill>
+                  <a:schemeClr val="tx1"/>
+                </a:solidFill>
+                <a:latin typeface="+mn-lt"/>
+                <a:ea typeface="+mn-ea"/>
+                <a:cs typeface="+mn-cs"/>
+              </a:defRPr>
+            </a:lvl6pPr>
+            <a:lvl7pPr marL="2743200" algn="l" defTabSz="914400" rtl="0" eaLnBrk="1" latinLnBrk="1" hangingPunct="1">
+              <a:defRPr sz="1800" kern="1200">
+                <a:solidFill>
+                  <a:schemeClr val="tx1"/>
+                </a:solidFill>
+                <a:latin typeface="+mn-lt"/>
+                <a:ea typeface="+mn-ea"/>
+                <a:cs typeface="+mn-cs"/>
+              </a:defRPr>
+            </a:lvl7pPr>
+            <a:lvl8pPr marL="3200400" algn="l" defTabSz="914400" rtl="0" eaLnBrk="1" latinLnBrk="1" hangingPunct="1">
+              <a:defRPr sz="1800" kern="1200">
+                <a:solidFill>
+                  <a:schemeClr val="tx1"/>
+                </a:solidFill>
+                <a:latin typeface="+mn-lt"/>
+                <a:ea typeface="+mn-ea"/>
+                <a:cs typeface="+mn-cs"/>
+              </a:defRPr>
+            </a:lvl8pPr>
+            <a:lvl9pPr marL="3657600" algn="l" defTabSz="914400" rtl="0" eaLnBrk="1" latinLnBrk="1" hangingPunct="1">
+              <a:defRPr sz="1800" kern="1200">
+                <a:solidFill>
+                  <a:schemeClr val="tx1"/>
+                </a:solidFill>
+                <a:latin typeface="+mn-lt"/>
+                <a:ea typeface="+mn-ea"/>
+                <a:cs typeface="+mn-cs"/>
+              </a:defRPr>
+            </a:lvl9pPr>
+          </a:lstStyle>
+          <a:p>
+            <a:r>
+              <a:rPr lang="en-US" altLang="ko-KR" sz="1600" b="1" dirty="0">
+                <a:solidFill>
+                  <a:schemeClr val="bg1"/>
+                </a:solidFill>
+              </a:rPr>
+              <a:t>P375</a:t>
+            </a:r>
+            <a:endParaRPr lang="ko-KR" altLang="en-US" sz="1600" b="1" dirty="0">
+              <a:solidFill>
+                <a:schemeClr val="bg1"/>
+              </a:solidFill>
+            </a:endParaRPr>
+          </a:p>
+        </p:txBody>
+      </p:sp>
     </p:spTree>
     <p:extLst>
       <p:ext uri="{BB962C8B-B14F-4D97-AF65-F5344CB8AC3E}">
@@ -6173,6 +7001,144 @@
           </a:prstGeom>
         </p:spPr>
       </p:pic>
+      <p:sp>
+        <p:nvSpPr>
+          <p:cNvPr id="12" name="TextBox 5">
+            <a:extLst>
+              <a:ext uri="{FF2B5EF4-FFF2-40B4-BE49-F238E27FC236}">
+                <a16:creationId xmlns:a16="http://schemas.microsoft.com/office/drawing/2014/main" id="{098DE18B-723A-481F-B90C-FD11B487BFE0}"/>
+              </a:ext>
+            </a:extLst>
+          </p:cNvPr>
+          <p:cNvSpPr txBox="1"/>
+          <p:nvPr/>
+        </p:nvSpPr>
+        <p:spPr>
+          <a:xfrm>
+            <a:off x="10779032" y="379583"/>
+            <a:ext cx="667170" cy="338554"/>
+          </a:xfrm>
+          <a:prstGeom prst="rect">
+            <a:avLst/>
+          </a:prstGeom>
+          <a:noFill/>
+        </p:spPr>
+        <p:txBody>
+          <a:bodyPr wrap="none" rtlCol="0">
+            <a:spAutoFit/>
+          </a:bodyPr>
+          <a:lstStyle>
+            <a:defPPr>
+              <a:defRPr lang="ko-KR"/>
+            </a:defPPr>
+            <a:lvl1pPr marL="0" algn="l" defTabSz="914400" rtl="0" eaLnBrk="1" latinLnBrk="1" hangingPunct="1">
+              <a:defRPr sz="1800" kern="1200">
+                <a:solidFill>
+                  <a:schemeClr val="tx1"/>
+                </a:solidFill>
+                <a:latin typeface="+mn-lt"/>
+                <a:ea typeface="+mn-ea"/>
+                <a:cs typeface="+mn-cs"/>
+              </a:defRPr>
+            </a:lvl1pPr>
+            <a:lvl2pPr marL="457200" algn="l" defTabSz="914400" rtl="0" eaLnBrk="1" latinLnBrk="1" hangingPunct="1">
+              <a:defRPr sz="1800" kern="1200">
+                <a:solidFill>
+                  <a:schemeClr val="tx1"/>
+                </a:solidFill>
+                <a:latin typeface="+mn-lt"/>
+                <a:ea typeface="+mn-ea"/>
+                <a:cs typeface="+mn-cs"/>
+              </a:defRPr>
+            </a:lvl2pPr>
+            <a:lvl3pPr marL="914400" algn="l" defTabSz="914400" rtl="0" eaLnBrk="1" latinLnBrk="1" hangingPunct="1">
+              <a:defRPr sz="1800" kern="1200">
+                <a:solidFill>
+                  <a:schemeClr val="tx1"/>
+                </a:solidFill>
+                <a:latin typeface="+mn-lt"/>
+                <a:ea typeface="+mn-ea"/>
+                <a:cs typeface="+mn-cs"/>
+              </a:defRPr>
+            </a:lvl3pPr>
+            <a:lvl4pPr marL="1371600" algn="l" defTabSz="914400" rtl="0" eaLnBrk="1" latinLnBrk="1" hangingPunct="1">
+              <a:defRPr sz="1800" kern="1200">
+                <a:solidFill>
+                  <a:schemeClr val="tx1"/>
+                </a:solidFill>
+                <a:latin typeface="+mn-lt"/>
+                <a:ea typeface="+mn-ea"/>
+                <a:cs typeface="+mn-cs"/>
+              </a:defRPr>
+            </a:lvl4pPr>
+            <a:lvl5pPr marL="1828800" algn="l" defTabSz="914400" rtl="0" eaLnBrk="1" latinLnBrk="1" hangingPunct="1">
+              <a:defRPr sz="1800" kern="1200">
+                <a:solidFill>
+                  <a:schemeClr val="tx1"/>
+                </a:solidFill>
+                <a:latin typeface="+mn-lt"/>
+                <a:ea typeface="+mn-ea"/>
+                <a:cs typeface="+mn-cs"/>
+              </a:defRPr>
+            </a:lvl5pPr>
+            <a:lvl6pPr marL="2286000" algn="l" defTabSz="914400" rtl="0" eaLnBrk="1" latinLnBrk="1" hangingPunct="1">
+              <a:defRPr sz="1800" kern="1200">
+                <a:solidFill>
+                  <a:schemeClr val="tx1"/>
+                </a:solidFill>
+                <a:latin typeface="+mn-lt"/>
+                <a:ea typeface="+mn-ea"/>
+                <a:cs typeface="+mn-cs"/>
+              </a:defRPr>
+            </a:lvl6pPr>
+            <a:lvl7pPr marL="2743200" algn="l" defTabSz="914400" rtl="0" eaLnBrk="1" latinLnBrk="1" hangingPunct="1">
+              <a:defRPr sz="1800" kern="1200">
+                <a:solidFill>
+                  <a:schemeClr val="tx1"/>
+                </a:solidFill>
+                <a:latin typeface="+mn-lt"/>
+                <a:ea typeface="+mn-ea"/>
+                <a:cs typeface="+mn-cs"/>
+              </a:defRPr>
+            </a:lvl7pPr>
+            <a:lvl8pPr marL="3200400" algn="l" defTabSz="914400" rtl="0" eaLnBrk="1" latinLnBrk="1" hangingPunct="1">
+              <a:defRPr sz="1800" kern="1200">
+                <a:solidFill>
+                  <a:schemeClr val="tx1"/>
+                </a:solidFill>
+                <a:latin typeface="+mn-lt"/>
+                <a:ea typeface="+mn-ea"/>
+                <a:cs typeface="+mn-cs"/>
+              </a:defRPr>
+            </a:lvl8pPr>
+            <a:lvl9pPr marL="3657600" algn="l" defTabSz="914400" rtl="0" eaLnBrk="1" latinLnBrk="1" hangingPunct="1">
+              <a:defRPr sz="1800" kern="1200">
+                <a:solidFill>
+                  <a:schemeClr val="tx1"/>
+                </a:solidFill>
+                <a:latin typeface="+mn-lt"/>
+                <a:ea typeface="+mn-ea"/>
+                <a:cs typeface="+mn-cs"/>
+              </a:defRPr>
+            </a:lvl9pPr>
+          </a:lstStyle>
+          <a:p>
+            <a:r>
+              <a:rPr lang="en-US" altLang="ko-KR" sz="1600" b="1" dirty="0">
+                <a:solidFill>
+                  <a:schemeClr val="bg1"/>
+                </a:solidFill>
+              </a:rPr>
+              <a:t>P376</a:t>
+            </a:r>
+            <a:endParaRPr lang="ko-KR" altLang="en-US" sz="1600" b="1" dirty="0">
+              <a:solidFill>
+                <a:schemeClr val="bg1"/>
+              </a:solidFill>
+            </a:endParaRPr>
+          </a:p>
+        </p:txBody>
+      </p:sp>
     </p:spTree>
     <p:extLst>
       <p:ext uri="{BB962C8B-B14F-4D97-AF65-F5344CB8AC3E}">
@@ -6293,6 +7259,144 @@
           </a:prstGeom>
         </p:spPr>
       </p:pic>
+      <p:sp>
+        <p:nvSpPr>
+          <p:cNvPr id="5" name="TextBox 5">
+            <a:extLst>
+              <a:ext uri="{FF2B5EF4-FFF2-40B4-BE49-F238E27FC236}">
+                <a16:creationId xmlns:a16="http://schemas.microsoft.com/office/drawing/2014/main" id="{DA666126-C49B-4EAE-B673-3D79F896362F}"/>
+              </a:ext>
+            </a:extLst>
+          </p:cNvPr>
+          <p:cNvSpPr txBox="1"/>
+          <p:nvPr/>
+        </p:nvSpPr>
+        <p:spPr>
+          <a:xfrm>
+            <a:off x="10779032" y="379583"/>
+            <a:ext cx="667170" cy="338554"/>
+          </a:xfrm>
+          <a:prstGeom prst="rect">
+            <a:avLst/>
+          </a:prstGeom>
+          <a:noFill/>
+        </p:spPr>
+        <p:txBody>
+          <a:bodyPr wrap="none" rtlCol="0">
+            <a:spAutoFit/>
+          </a:bodyPr>
+          <a:lstStyle>
+            <a:defPPr>
+              <a:defRPr lang="ko-KR"/>
+            </a:defPPr>
+            <a:lvl1pPr marL="0" algn="l" defTabSz="914400" rtl="0" eaLnBrk="1" latinLnBrk="1" hangingPunct="1">
+              <a:defRPr sz="1800" kern="1200">
+                <a:solidFill>
+                  <a:schemeClr val="tx1"/>
+                </a:solidFill>
+                <a:latin typeface="+mn-lt"/>
+                <a:ea typeface="+mn-ea"/>
+                <a:cs typeface="+mn-cs"/>
+              </a:defRPr>
+            </a:lvl1pPr>
+            <a:lvl2pPr marL="457200" algn="l" defTabSz="914400" rtl="0" eaLnBrk="1" latinLnBrk="1" hangingPunct="1">
+              <a:defRPr sz="1800" kern="1200">
+                <a:solidFill>
+                  <a:schemeClr val="tx1"/>
+                </a:solidFill>
+                <a:latin typeface="+mn-lt"/>
+                <a:ea typeface="+mn-ea"/>
+                <a:cs typeface="+mn-cs"/>
+              </a:defRPr>
+            </a:lvl2pPr>
+            <a:lvl3pPr marL="914400" algn="l" defTabSz="914400" rtl="0" eaLnBrk="1" latinLnBrk="1" hangingPunct="1">
+              <a:defRPr sz="1800" kern="1200">
+                <a:solidFill>
+                  <a:schemeClr val="tx1"/>
+                </a:solidFill>
+                <a:latin typeface="+mn-lt"/>
+                <a:ea typeface="+mn-ea"/>
+                <a:cs typeface="+mn-cs"/>
+              </a:defRPr>
+            </a:lvl3pPr>
+            <a:lvl4pPr marL="1371600" algn="l" defTabSz="914400" rtl="0" eaLnBrk="1" latinLnBrk="1" hangingPunct="1">
+              <a:defRPr sz="1800" kern="1200">
+                <a:solidFill>
+                  <a:schemeClr val="tx1"/>
+                </a:solidFill>
+                <a:latin typeface="+mn-lt"/>
+                <a:ea typeface="+mn-ea"/>
+                <a:cs typeface="+mn-cs"/>
+              </a:defRPr>
+            </a:lvl4pPr>
+            <a:lvl5pPr marL="1828800" algn="l" defTabSz="914400" rtl="0" eaLnBrk="1" latinLnBrk="1" hangingPunct="1">
+              <a:defRPr sz="1800" kern="1200">
+                <a:solidFill>
+                  <a:schemeClr val="tx1"/>
+                </a:solidFill>
+                <a:latin typeface="+mn-lt"/>
+                <a:ea typeface="+mn-ea"/>
+                <a:cs typeface="+mn-cs"/>
+              </a:defRPr>
+            </a:lvl5pPr>
+            <a:lvl6pPr marL="2286000" algn="l" defTabSz="914400" rtl="0" eaLnBrk="1" latinLnBrk="1" hangingPunct="1">
+              <a:defRPr sz="1800" kern="1200">
+                <a:solidFill>
+                  <a:schemeClr val="tx1"/>
+                </a:solidFill>
+                <a:latin typeface="+mn-lt"/>
+                <a:ea typeface="+mn-ea"/>
+                <a:cs typeface="+mn-cs"/>
+              </a:defRPr>
+            </a:lvl6pPr>
+            <a:lvl7pPr marL="2743200" algn="l" defTabSz="914400" rtl="0" eaLnBrk="1" latinLnBrk="1" hangingPunct="1">
+              <a:defRPr sz="1800" kern="1200">
+                <a:solidFill>
+                  <a:schemeClr val="tx1"/>
+                </a:solidFill>
+                <a:latin typeface="+mn-lt"/>
+                <a:ea typeface="+mn-ea"/>
+                <a:cs typeface="+mn-cs"/>
+              </a:defRPr>
+            </a:lvl7pPr>
+            <a:lvl8pPr marL="3200400" algn="l" defTabSz="914400" rtl="0" eaLnBrk="1" latinLnBrk="1" hangingPunct="1">
+              <a:defRPr sz="1800" kern="1200">
+                <a:solidFill>
+                  <a:schemeClr val="tx1"/>
+                </a:solidFill>
+                <a:latin typeface="+mn-lt"/>
+                <a:ea typeface="+mn-ea"/>
+                <a:cs typeface="+mn-cs"/>
+              </a:defRPr>
+            </a:lvl8pPr>
+            <a:lvl9pPr marL="3657600" algn="l" defTabSz="914400" rtl="0" eaLnBrk="1" latinLnBrk="1" hangingPunct="1">
+              <a:defRPr sz="1800" kern="1200">
+                <a:solidFill>
+                  <a:schemeClr val="tx1"/>
+                </a:solidFill>
+                <a:latin typeface="+mn-lt"/>
+                <a:ea typeface="+mn-ea"/>
+                <a:cs typeface="+mn-cs"/>
+              </a:defRPr>
+            </a:lvl9pPr>
+          </a:lstStyle>
+          <a:p>
+            <a:r>
+              <a:rPr lang="en-US" altLang="ko-KR" sz="1600" b="1" dirty="0">
+                <a:solidFill>
+                  <a:schemeClr val="bg1"/>
+                </a:solidFill>
+              </a:rPr>
+              <a:t>P377</a:t>
+            </a:r>
+            <a:endParaRPr lang="ko-KR" altLang="en-US" sz="1600" b="1" dirty="0">
+              <a:solidFill>
+                <a:schemeClr val="bg1"/>
+              </a:solidFill>
+            </a:endParaRPr>
+          </a:p>
+        </p:txBody>
+      </p:sp>
     </p:spTree>
     <p:extLst>
       <p:ext uri="{BB962C8B-B14F-4D97-AF65-F5344CB8AC3E}">
@@ -6577,6 +7681,144 @@
           </a:prstGeom>
         </p:spPr>
       </p:pic>
+      <p:sp>
+        <p:nvSpPr>
+          <p:cNvPr id="10" name="TextBox 5">
+            <a:extLst>
+              <a:ext uri="{FF2B5EF4-FFF2-40B4-BE49-F238E27FC236}">
+                <a16:creationId xmlns:a16="http://schemas.microsoft.com/office/drawing/2014/main" id="{BAA37712-28F5-4C1A-9D18-930EDD605634}"/>
+              </a:ext>
+            </a:extLst>
+          </p:cNvPr>
+          <p:cNvSpPr txBox="1"/>
+          <p:nvPr/>
+        </p:nvSpPr>
+        <p:spPr>
+          <a:xfrm>
+            <a:off x="10779032" y="379583"/>
+            <a:ext cx="667170" cy="338554"/>
+          </a:xfrm>
+          <a:prstGeom prst="rect">
+            <a:avLst/>
+          </a:prstGeom>
+          <a:noFill/>
+        </p:spPr>
+        <p:txBody>
+          <a:bodyPr wrap="none" rtlCol="0">
+            <a:spAutoFit/>
+          </a:bodyPr>
+          <a:lstStyle>
+            <a:defPPr>
+              <a:defRPr lang="ko-KR"/>
+            </a:defPPr>
+            <a:lvl1pPr marL="0" algn="l" defTabSz="914400" rtl="0" eaLnBrk="1" latinLnBrk="1" hangingPunct="1">
+              <a:defRPr sz="1800" kern="1200">
+                <a:solidFill>
+                  <a:schemeClr val="tx1"/>
+                </a:solidFill>
+                <a:latin typeface="+mn-lt"/>
+                <a:ea typeface="+mn-ea"/>
+                <a:cs typeface="+mn-cs"/>
+              </a:defRPr>
+            </a:lvl1pPr>
+            <a:lvl2pPr marL="457200" algn="l" defTabSz="914400" rtl="0" eaLnBrk="1" latinLnBrk="1" hangingPunct="1">
+              <a:defRPr sz="1800" kern="1200">
+                <a:solidFill>
+                  <a:schemeClr val="tx1"/>
+                </a:solidFill>
+                <a:latin typeface="+mn-lt"/>
+                <a:ea typeface="+mn-ea"/>
+                <a:cs typeface="+mn-cs"/>
+              </a:defRPr>
+            </a:lvl2pPr>
+            <a:lvl3pPr marL="914400" algn="l" defTabSz="914400" rtl="0" eaLnBrk="1" latinLnBrk="1" hangingPunct="1">
+              <a:defRPr sz="1800" kern="1200">
+                <a:solidFill>
+                  <a:schemeClr val="tx1"/>
+                </a:solidFill>
+                <a:latin typeface="+mn-lt"/>
+                <a:ea typeface="+mn-ea"/>
+                <a:cs typeface="+mn-cs"/>
+              </a:defRPr>
+            </a:lvl3pPr>
+            <a:lvl4pPr marL="1371600" algn="l" defTabSz="914400" rtl="0" eaLnBrk="1" latinLnBrk="1" hangingPunct="1">
+              <a:defRPr sz="1800" kern="1200">
+                <a:solidFill>
+                  <a:schemeClr val="tx1"/>
+                </a:solidFill>
+                <a:latin typeface="+mn-lt"/>
+                <a:ea typeface="+mn-ea"/>
+                <a:cs typeface="+mn-cs"/>
+              </a:defRPr>
+            </a:lvl4pPr>
+            <a:lvl5pPr marL="1828800" algn="l" defTabSz="914400" rtl="0" eaLnBrk="1" latinLnBrk="1" hangingPunct="1">
+              <a:defRPr sz="1800" kern="1200">
+                <a:solidFill>
+                  <a:schemeClr val="tx1"/>
+                </a:solidFill>
+                <a:latin typeface="+mn-lt"/>
+                <a:ea typeface="+mn-ea"/>
+                <a:cs typeface="+mn-cs"/>
+              </a:defRPr>
+            </a:lvl5pPr>
+            <a:lvl6pPr marL="2286000" algn="l" defTabSz="914400" rtl="0" eaLnBrk="1" latinLnBrk="1" hangingPunct="1">
+              <a:defRPr sz="1800" kern="1200">
+                <a:solidFill>
+                  <a:schemeClr val="tx1"/>
+                </a:solidFill>
+                <a:latin typeface="+mn-lt"/>
+                <a:ea typeface="+mn-ea"/>
+                <a:cs typeface="+mn-cs"/>
+              </a:defRPr>
+            </a:lvl6pPr>
+            <a:lvl7pPr marL="2743200" algn="l" defTabSz="914400" rtl="0" eaLnBrk="1" latinLnBrk="1" hangingPunct="1">
+              <a:defRPr sz="1800" kern="1200">
+                <a:solidFill>
+                  <a:schemeClr val="tx1"/>
+                </a:solidFill>
+                <a:latin typeface="+mn-lt"/>
+                <a:ea typeface="+mn-ea"/>
+                <a:cs typeface="+mn-cs"/>
+              </a:defRPr>
+            </a:lvl7pPr>
+            <a:lvl8pPr marL="3200400" algn="l" defTabSz="914400" rtl="0" eaLnBrk="1" latinLnBrk="1" hangingPunct="1">
+              <a:defRPr sz="1800" kern="1200">
+                <a:solidFill>
+                  <a:schemeClr val="tx1"/>
+                </a:solidFill>
+                <a:latin typeface="+mn-lt"/>
+                <a:ea typeface="+mn-ea"/>
+                <a:cs typeface="+mn-cs"/>
+              </a:defRPr>
+            </a:lvl8pPr>
+            <a:lvl9pPr marL="3657600" algn="l" defTabSz="914400" rtl="0" eaLnBrk="1" latinLnBrk="1" hangingPunct="1">
+              <a:defRPr sz="1800" kern="1200">
+                <a:solidFill>
+                  <a:schemeClr val="tx1"/>
+                </a:solidFill>
+                <a:latin typeface="+mn-lt"/>
+                <a:ea typeface="+mn-ea"/>
+                <a:cs typeface="+mn-cs"/>
+              </a:defRPr>
+            </a:lvl9pPr>
+          </a:lstStyle>
+          <a:p>
+            <a:r>
+              <a:rPr lang="en-US" altLang="ko-KR" sz="1600" b="1" dirty="0">
+                <a:solidFill>
+                  <a:schemeClr val="bg1"/>
+                </a:solidFill>
+              </a:rPr>
+              <a:t>P378</a:t>
+            </a:r>
+            <a:endParaRPr lang="ko-KR" altLang="en-US" sz="1600" b="1" dirty="0">
+              <a:solidFill>
+                <a:schemeClr val="bg1"/>
+              </a:solidFill>
+            </a:endParaRPr>
+          </a:p>
+        </p:txBody>
+      </p:sp>
     </p:spTree>
     <p:extLst>
       <p:ext uri="{BB962C8B-B14F-4D97-AF65-F5344CB8AC3E}">
@@ -6943,6 +8185,144 @@
           </a:prstGeom>
         </p:spPr>
       </p:pic>
+      <p:sp>
+        <p:nvSpPr>
+          <p:cNvPr id="10" name="TextBox 5">
+            <a:extLst>
+              <a:ext uri="{FF2B5EF4-FFF2-40B4-BE49-F238E27FC236}">
+                <a16:creationId xmlns:a16="http://schemas.microsoft.com/office/drawing/2014/main" id="{5B3C6CC7-0031-47A6-95F9-8692AB9FB219}"/>
+              </a:ext>
+            </a:extLst>
+          </p:cNvPr>
+          <p:cNvSpPr txBox="1"/>
+          <p:nvPr/>
+        </p:nvSpPr>
+        <p:spPr>
+          <a:xfrm>
+            <a:off x="10779032" y="379583"/>
+            <a:ext cx="667170" cy="338554"/>
+          </a:xfrm>
+          <a:prstGeom prst="rect">
+            <a:avLst/>
+          </a:prstGeom>
+          <a:noFill/>
+        </p:spPr>
+        <p:txBody>
+          <a:bodyPr wrap="none" rtlCol="0">
+            <a:spAutoFit/>
+          </a:bodyPr>
+          <a:lstStyle>
+            <a:defPPr>
+              <a:defRPr lang="ko-KR"/>
+            </a:defPPr>
+            <a:lvl1pPr marL="0" algn="l" defTabSz="914400" rtl="0" eaLnBrk="1" latinLnBrk="1" hangingPunct="1">
+              <a:defRPr sz="1800" kern="1200">
+                <a:solidFill>
+                  <a:schemeClr val="tx1"/>
+                </a:solidFill>
+                <a:latin typeface="+mn-lt"/>
+                <a:ea typeface="+mn-ea"/>
+                <a:cs typeface="+mn-cs"/>
+              </a:defRPr>
+            </a:lvl1pPr>
+            <a:lvl2pPr marL="457200" algn="l" defTabSz="914400" rtl="0" eaLnBrk="1" latinLnBrk="1" hangingPunct="1">
+              <a:defRPr sz="1800" kern="1200">
+                <a:solidFill>
+                  <a:schemeClr val="tx1"/>
+                </a:solidFill>
+                <a:latin typeface="+mn-lt"/>
+                <a:ea typeface="+mn-ea"/>
+                <a:cs typeface="+mn-cs"/>
+              </a:defRPr>
+            </a:lvl2pPr>
+            <a:lvl3pPr marL="914400" algn="l" defTabSz="914400" rtl="0" eaLnBrk="1" latinLnBrk="1" hangingPunct="1">
+              <a:defRPr sz="1800" kern="1200">
+                <a:solidFill>
+                  <a:schemeClr val="tx1"/>
+                </a:solidFill>
+                <a:latin typeface="+mn-lt"/>
+                <a:ea typeface="+mn-ea"/>
+                <a:cs typeface="+mn-cs"/>
+              </a:defRPr>
+            </a:lvl3pPr>
+            <a:lvl4pPr marL="1371600" algn="l" defTabSz="914400" rtl="0" eaLnBrk="1" latinLnBrk="1" hangingPunct="1">
+              <a:defRPr sz="1800" kern="1200">
+                <a:solidFill>
+                  <a:schemeClr val="tx1"/>
+                </a:solidFill>
+                <a:latin typeface="+mn-lt"/>
+                <a:ea typeface="+mn-ea"/>
+                <a:cs typeface="+mn-cs"/>
+              </a:defRPr>
+            </a:lvl4pPr>
+            <a:lvl5pPr marL="1828800" algn="l" defTabSz="914400" rtl="0" eaLnBrk="1" latinLnBrk="1" hangingPunct="1">
+              <a:defRPr sz="1800" kern="1200">
+                <a:solidFill>
+                  <a:schemeClr val="tx1"/>
+                </a:solidFill>
+                <a:latin typeface="+mn-lt"/>
+                <a:ea typeface="+mn-ea"/>
+                <a:cs typeface="+mn-cs"/>
+              </a:defRPr>
+            </a:lvl5pPr>
+            <a:lvl6pPr marL="2286000" algn="l" defTabSz="914400" rtl="0" eaLnBrk="1" latinLnBrk="1" hangingPunct="1">
+              <a:defRPr sz="1800" kern="1200">
+                <a:solidFill>
+                  <a:schemeClr val="tx1"/>
+                </a:solidFill>
+                <a:latin typeface="+mn-lt"/>
+                <a:ea typeface="+mn-ea"/>
+                <a:cs typeface="+mn-cs"/>
+              </a:defRPr>
+            </a:lvl6pPr>
+            <a:lvl7pPr marL="2743200" algn="l" defTabSz="914400" rtl="0" eaLnBrk="1" latinLnBrk="1" hangingPunct="1">
+              <a:defRPr sz="1800" kern="1200">
+                <a:solidFill>
+                  <a:schemeClr val="tx1"/>
+                </a:solidFill>
+                <a:latin typeface="+mn-lt"/>
+                <a:ea typeface="+mn-ea"/>
+                <a:cs typeface="+mn-cs"/>
+              </a:defRPr>
+            </a:lvl7pPr>
+            <a:lvl8pPr marL="3200400" algn="l" defTabSz="914400" rtl="0" eaLnBrk="1" latinLnBrk="1" hangingPunct="1">
+              <a:defRPr sz="1800" kern="1200">
+                <a:solidFill>
+                  <a:schemeClr val="tx1"/>
+                </a:solidFill>
+                <a:latin typeface="+mn-lt"/>
+                <a:ea typeface="+mn-ea"/>
+                <a:cs typeface="+mn-cs"/>
+              </a:defRPr>
+            </a:lvl8pPr>
+            <a:lvl9pPr marL="3657600" algn="l" defTabSz="914400" rtl="0" eaLnBrk="1" latinLnBrk="1" hangingPunct="1">
+              <a:defRPr sz="1800" kern="1200">
+                <a:solidFill>
+                  <a:schemeClr val="tx1"/>
+                </a:solidFill>
+                <a:latin typeface="+mn-lt"/>
+                <a:ea typeface="+mn-ea"/>
+                <a:cs typeface="+mn-cs"/>
+              </a:defRPr>
+            </a:lvl9pPr>
+          </a:lstStyle>
+          <a:p>
+            <a:r>
+              <a:rPr lang="en-US" altLang="ko-KR" sz="1600" b="1" dirty="0">
+                <a:solidFill>
+                  <a:schemeClr val="bg1"/>
+                </a:solidFill>
+              </a:rPr>
+              <a:t>P379</a:t>
+            </a:r>
+            <a:endParaRPr lang="ko-KR" altLang="en-US" sz="1600" b="1" dirty="0">
+              <a:solidFill>
+                <a:schemeClr val="bg1"/>
+              </a:solidFill>
+            </a:endParaRPr>
+          </a:p>
+        </p:txBody>
+      </p:sp>
     </p:spTree>
     <p:extLst>
       <p:ext uri="{BB962C8B-B14F-4D97-AF65-F5344CB8AC3E}">
@@ -7141,6 +8521,144 @@
           </a:prstGeom>
         </p:spPr>
       </p:pic>
+      <p:sp>
+        <p:nvSpPr>
+          <p:cNvPr id="8" name="TextBox 5">
+            <a:extLst>
+              <a:ext uri="{FF2B5EF4-FFF2-40B4-BE49-F238E27FC236}">
+                <a16:creationId xmlns:a16="http://schemas.microsoft.com/office/drawing/2014/main" id="{35528361-64F6-4182-9C1C-96BD5CBFA8C6}"/>
+              </a:ext>
+            </a:extLst>
+          </p:cNvPr>
+          <p:cNvSpPr txBox="1"/>
+          <p:nvPr/>
+        </p:nvSpPr>
+        <p:spPr>
+          <a:xfrm>
+            <a:off x="10779032" y="379583"/>
+            <a:ext cx="667170" cy="338554"/>
+          </a:xfrm>
+          <a:prstGeom prst="rect">
+            <a:avLst/>
+          </a:prstGeom>
+          <a:noFill/>
+        </p:spPr>
+        <p:txBody>
+          <a:bodyPr wrap="none" rtlCol="0">
+            <a:spAutoFit/>
+          </a:bodyPr>
+          <a:lstStyle>
+            <a:defPPr>
+              <a:defRPr lang="ko-KR"/>
+            </a:defPPr>
+            <a:lvl1pPr marL="0" algn="l" defTabSz="914400" rtl="0" eaLnBrk="1" latinLnBrk="1" hangingPunct="1">
+              <a:defRPr sz="1800" kern="1200">
+                <a:solidFill>
+                  <a:schemeClr val="tx1"/>
+                </a:solidFill>
+                <a:latin typeface="+mn-lt"/>
+                <a:ea typeface="+mn-ea"/>
+                <a:cs typeface="+mn-cs"/>
+              </a:defRPr>
+            </a:lvl1pPr>
+            <a:lvl2pPr marL="457200" algn="l" defTabSz="914400" rtl="0" eaLnBrk="1" latinLnBrk="1" hangingPunct="1">
+              <a:defRPr sz="1800" kern="1200">
+                <a:solidFill>
+                  <a:schemeClr val="tx1"/>
+                </a:solidFill>
+                <a:latin typeface="+mn-lt"/>
+                <a:ea typeface="+mn-ea"/>
+                <a:cs typeface="+mn-cs"/>
+              </a:defRPr>
+            </a:lvl2pPr>
+            <a:lvl3pPr marL="914400" algn="l" defTabSz="914400" rtl="0" eaLnBrk="1" latinLnBrk="1" hangingPunct="1">
+              <a:defRPr sz="1800" kern="1200">
+                <a:solidFill>
+                  <a:schemeClr val="tx1"/>
+                </a:solidFill>
+                <a:latin typeface="+mn-lt"/>
+                <a:ea typeface="+mn-ea"/>
+                <a:cs typeface="+mn-cs"/>
+              </a:defRPr>
+            </a:lvl3pPr>
+            <a:lvl4pPr marL="1371600" algn="l" defTabSz="914400" rtl="0" eaLnBrk="1" latinLnBrk="1" hangingPunct="1">
+              <a:defRPr sz="1800" kern="1200">
+                <a:solidFill>
+                  <a:schemeClr val="tx1"/>
+                </a:solidFill>
+                <a:latin typeface="+mn-lt"/>
+                <a:ea typeface="+mn-ea"/>
+                <a:cs typeface="+mn-cs"/>
+              </a:defRPr>
+            </a:lvl4pPr>
+            <a:lvl5pPr marL="1828800" algn="l" defTabSz="914400" rtl="0" eaLnBrk="1" latinLnBrk="1" hangingPunct="1">
+              <a:defRPr sz="1800" kern="1200">
+                <a:solidFill>
+                  <a:schemeClr val="tx1"/>
+                </a:solidFill>
+                <a:latin typeface="+mn-lt"/>
+                <a:ea typeface="+mn-ea"/>
+                <a:cs typeface="+mn-cs"/>
+              </a:defRPr>
+            </a:lvl5pPr>
+            <a:lvl6pPr marL="2286000" algn="l" defTabSz="914400" rtl="0" eaLnBrk="1" latinLnBrk="1" hangingPunct="1">
+              <a:defRPr sz="1800" kern="1200">
+                <a:solidFill>
+                  <a:schemeClr val="tx1"/>
+                </a:solidFill>
+                <a:latin typeface="+mn-lt"/>
+                <a:ea typeface="+mn-ea"/>
+                <a:cs typeface="+mn-cs"/>
+              </a:defRPr>
+            </a:lvl6pPr>
+            <a:lvl7pPr marL="2743200" algn="l" defTabSz="914400" rtl="0" eaLnBrk="1" latinLnBrk="1" hangingPunct="1">
+              <a:defRPr sz="1800" kern="1200">
+                <a:solidFill>
+                  <a:schemeClr val="tx1"/>
+                </a:solidFill>
+                <a:latin typeface="+mn-lt"/>
+                <a:ea typeface="+mn-ea"/>
+                <a:cs typeface="+mn-cs"/>
+              </a:defRPr>
+            </a:lvl7pPr>
+            <a:lvl8pPr marL="3200400" algn="l" defTabSz="914400" rtl="0" eaLnBrk="1" latinLnBrk="1" hangingPunct="1">
+              <a:defRPr sz="1800" kern="1200">
+                <a:solidFill>
+                  <a:schemeClr val="tx1"/>
+                </a:solidFill>
+                <a:latin typeface="+mn-lt"/>
+                <a:ea typeface="+mn-ea"/>
+                <a:cs typeface="+mn-cs"/>
+              </a:defRPr>
+            </a:lvl8pPr>
+            <a:lvl9pPr marL="3657600" algn="l" defTabSz="914400" rtl="0" eaLnBrk="1" latinLnBrk="1" hangingPunct="1">
+              <a:defRPr sz="1800" kern="1200">
+                <a:solidFill>
+                  <a:schemeClr val="tx1"/>
+                </a:solidFill>
+                <a:latin typeface="+mn-lt"/>
+                <a:ea typeface="+mn-ea"/>
+                <a:cs typeface="+mn-cs"/>
+              </a:defRPr>
+            </a:lvl9pPr>
+          </a:lstStyle>
+          <a:p>
+            <a:r>
+              <a:rPr lang="en-US" altLang="ko-KR" sz="1600" b="1" dirty="0">
+                <a:solidFill>
+                  <a:schemeClr val="bg1"/>
+                </a:solidFill>
+              </a:rPr>
+              <a:t>P380</a:t>
+            </a:r>
+            <a:endParaRPr lang="ko-KR" altLang="en-US" sz="1600" b="1" dirty="0">
+              <a:solidFill>
+                <a:schemeClr val="bg1"/>
+              </a:solidFill>
+            </a:endParaRPr>
+          </a:p>
+        </p:txBody>
+      </p:sp>
     </p:spTree>
     <p:extLst>
       <p:ext uri="{BB962C8B-B14F-4D97-AF65-F5344CB8AC3E}">
